--- a/images/images.pptx
+++ b/images/images.pptx
@@ -259,7 +259,7 @@
           <a:p>
             <a:fld id="{8104AB67-6FFD-4232-89A0-87893CD7E338}" type="datetimeFigureOut">
               <a:rPr lang="en-US" smtClean="0"/>
-              <a:t>12/3/2020</a:t>
+              <a:t>12/4/2020</a:t>
             </a:fld>
             <a:endParaRPr lang="en-US"/>
           </a:p>
@@ -457,7 +457,7 @@
           <a:p>
             <a:fld id="{8104AB67-6FFD-4232-89A0-87893CD7E338}" type="datetimeFigureOut">
               <a:rPr lang="en-US" smtClean="0"/>
-              <a:t>12/3/2020</a:t>
+              <a:t>12/4/2020</a:t>
             </a:fld>
             <a:endParaRPr lang="en-US"/>
           </a:p>
@@ -665,7 +665,7 @@
           <a:p>
             <a:fld id="{8104AB67-6FFD-4232-89A0-87893CD7E338}" type="datetimeFigureOut">
               <a:rPr lang="en-US" smtClean="0"/>
-              <a:t>12/3/2020</a:t>
+              <a:t>12/4/2020</a:t>
             </a:fld>
             <a:endParaRPr lang="en-US"/>
           </a:p>
@@ -863,7 +863,7 @@
           <a:p>
             <a:fld id="{8104AB67-6FFD-4232-89A0-87893CD7E338}" type="datetimeFigureOut">
               <a:rPr lang="en-US" smtClean="0"/>
-              <a:t>12/3/2020</a:t>
+              <a:t>12/4/2020</a:t>
             </a:fld>
             <a:endParaRPr lang="en-US"/>
           </a:p>
@@ -1138,7 +1138,7 @@
           <a:p>
             <a:fld id="{8104AB67-6FFD-4232-89A0-87893CD7E338}" type="datetimeFigureOut">
               <a:rPr lang="en-US" smtClean="0"/>
-              <a:t>12/3/2020</a:t>
+              <a:t>12/4/2020</a:t>
             </a:fld>
             <a:endParaRPr lang="en-US"/>
           </a:p>
@@ -1403,7 +1403,7 @@
           <a:p>
             <a:fld id="{8104AB67-6FFD-4232-89A0-87893CD7E338}" type="datetimeFigureOut">
               <a:rPr lang="en-US" smtClean="0"/>
-              <a:t>12/3/2020</a:t>
+              <a:t>12/4/2020</a:t>
             </a:fld>
             <a:endParaRPr lang="en-US"/>
           </a:p>
@@ -1815,7 +1815,7 @@
           <a:p>
             <a:fld id="{8104AB67-6FFD-4232-89A0-87893CD7E338}" type="datetimeFigureOut">
               <a:rPr lang="en-US" smtClean="0"/>
-              <a:t>12/3/2020</a:t>
+              <a:t>12/4/2020</a:t>
             </a:fld>
             <a:endParaRPr lang="en-US"/>
           </a:p>
@@ -1956,7 +1956,7 @@
           <a:p>
             <a:fld id="{8104AB67-6FFD-4232-89A0-87893CD7E338}" type="datetimeFigureOut">
               <a:rPr lang="en-US" smtClean="0"/>
-              <a:t>12/3/2020</a:t>
+              <a:t>12/4/2020</a:t>
             </a:fld>
             <a:endParaRPr lang="en-US"/>
           </a:p>
@@ -2069,7 +2069,7 @@
           <a:p>
             <a:fld id="{8104AB67-6FFD-4232-89A0-87893CD7E338}" type="datetimeFigureOut">
               <a:rPr lang="en-US" smtClean="0"/>
-              <a:t>12/3/2020</a:t>
+              <a:t>12/4/2020</a:t>
             </a:fld>
             <a:endParaRPr lang="en-US"/>
           </a:p>
@@ -2380,7 +2380,7 @@
           <a:p>
             <a:fld id="{8104AB67-6FFD-4232-89A0-87893CD7E338}" type="datetimeFigureOut">
               <a:rPr lang="en-US" smtClean="0"/>
-              <a:t>12/3/2020</a:t>
+              <a:t>12/4/2020</a:t>
             </a:fld>
             <a:endParaRPr lang="en-US"/>
           </a:p>
@@ -2668,7 +2668,7 @@
           <a:p>
             <a:fld id="{8104AB67-6FFD-4232-89A0-87893CD7E338}" type="datetimeFigureOut">
               <a:rPr lang="en-US" smtClean="0"/>
-              <a:t>12/3/2020</a:t>
+              <a:t>12/4/2020</a:t>
             </a:fld>
             <a:endParaRPr lang="en-US"/>
           </a:p>
@@ -2909,7 +2909,7 @@
           <a:p>
             <a:fld id="{8104AB67-6FFD-4232-89A0-87893CD7E338}" type="datetimeFigureOut">
               <a:rPr lang="en-US" smtClean="0"/>
-              <a:t>12/3/2020</a:t>
+              <a:t>12/4/2020</a:t>
             </a:fld>
             <a:endParaRPr lang="en-US"/>
           </a:p>
@@ -3328,7 +3328,7 @@
       </p:grpSpPr>
       <p:grpSp>
         <p:nvGrpSpPr>
-          <p:cNvPr id="11" name="Group 10"/>
+          <p:cNvPr id="2" name="Group 1"/>
           <p:cNvGrpSpPr/>
           <p:nvPr/>
         </p:nvGrpSpPr>
@@ -3340,148 +3340,134 @@
             <a:chExt cx="6556442" cy="5246218"/>
           </a:xfrm>
         </p:grpSpPr>
-        <p:grpSp>
-          <p:nvGrpSpPr>
-            <p:cNvPr id="8" name="Group 7"/>
-            <p:cNvGrpSpPr/>
+        <p:pic>
+          <p:nvPicPr>
+            <p:cNvPr id="12" name="Picture 11"/>
+            <p:cNvPicPr>
+              <a:picLocks noChangeAspect="1"/>
+            </p:cNvPicPr>
             <p:nvPr/>
-          </p:nvGrpSpPr>
-          <p:grpSpPr>
+          </p:nvPicPr>
+          <p:blipFill rotWithShape="1">
+            <a:blip r:embed="rId2"/>
+            <a:srcRect l="24858" t="20071" r="26099" b="23758"/>
+            <a:stretch/>
+          </p:blipFill>
+          <p:spPr>
             <a:xfrm>
               <a:off x="1498060" y="2274076"/>
               <a:ext cx="6556442" cy="4223999"/>
-              <a:chOff x="1498060" y="719846"/>
-              <a:chExt cx="8968902" cy="5778230"/>
             </a:xfrm>
-          </p:grpSpPr>
-          <p:pic>
-            <p:nvPicPr>
-              <p:cNvPr id="12" name="Picture 11"/>
-              <p:cNvPicPr>
-                <a:picLocks noChangeAspect="1"/>
-              </p:cNvPicPr>
-              <p:nvPr/>
-            </p:nvPicPr>
-            <p:blipFill rotWithShape="1">
-              <a:blip r:embed="rId2"/>
-              <a:srcRect l="24858" t="20071" r="26099" b="23758"/>
-              <a:stretch/>
-            </p:blipFill>
-            <p:spPr>
-              <a:xfrm>
-                <a:off x="1498060" y="719846"/>
-                <a:ext cx="8968902" cy="5778230"/>
-              </a:xfrm>
-              <a:prstGeom prst="roundRect">
-                <a:avLst>
-                  <a:gd name="adj" fmla="val 8594"/>
-                </a:avLst>
-              </a:prstGeom>
+            <a:prstGeom prst="roundRect">
+              <a:avLst>
+                <a:gd name="adj" fmla="val 8594"/>
+              </a:avLst>
+            </a:prstGeom>
+            <a:solidFill>
+              <a:srgbClr val="FFFFFF">
+                <a:shade val="85000"/>
+              </a:srgbClr>
+            </a:solidFill>
+            <a:ln w="12700">
               <a:solidFill>
-                <a:srgbClr val="FFFFFF">
-                  <a:shade val="85000"/>
-                </a:srgbClr>
+                <a:schemeClr val="bg1"/>
               </a:solidFill>
-              <a:ln>
-                <a:noFill/>
-              </a:ln>
-              <a:effectLst>
-                <a:reflection blurRad="12700" stA="38000" endPos="28000" dist="5000" dir="5400000" sy="-100000" algn="bl" rotWithShape="0"/>
-              </a:effectLst>
-            </p:spPr>
-          </p:pic>
-          <p:pic>
-            <p:nvPicPr>
-              <p:cNvPr id="7" name="Picture 6"/>
-              <p:cNvPicPr>
-                <a:picLocks noChangeAspect="1"/>
-              </p:cNvPicPr>
-              <p:nvPr/>
-            </p:nvPicPr>
-            <p:blipFill>
-              <a:blip r:embed="rId3"/>
-              <a:stretch>
-                <a:fillRect/>
-              </a:stretch>
-            </p:blipFill>
-            <p:spPr>
-              <a:xfrm>
-                <a:off x="6827264" y="1096083"/>
-                <a:ext cx="3017824" cy="4468138"/>
-              </a:xfrm>
-              <a:prstGeom prst="roundRect">
-                <a:avLst>
-                  <a:gd name="adj" fmla="val 8594"/>
-                </a:avLst>
-              </a:prstGeom>
+            </a:ln>
+            <a:effectLst>
+              <a:reflection blurRad="12700" stA="38000" endPos="28000" dist="5000" dir="5400000" sy="-100000" algn="bl" rotWithShape="0"/>
+            </a:effectLst>
+          </p:spPr>
+        </p:pic>
+        <p:pic>
+          <p:nvPicPr>
+            <p:cNvPr id="7" name="Picture 6"/>
+            <p:cNvPicPr>
+              <a:picLocks noChangeAspect="1"/>
+            </p:cNvPicPr>
+            <p:nvPr/>
+          </p:nvPicPr>
+          <p:blipFill rotWithShape="1">
+            <a:blip r:embed="rId3"/>
+            <a:srcRect t="14940" b="6406"/>
+            <a:stretch/>
+          </p:blipFill>
+          <p:spPr>
+            <a:xfrm>
+              <a:off x="1741715" y="2503800"/>
+              <a:ext cx="2636014" cy="3069687"/>
+            </a:xfrm>
+            <a:prstGeom prst="roundRect">
+              <a:avLst>
+                <a:gd name="adj" fmla="val 8594"/>
+              </a:avLst>
+            </a:prstGeom>
+            <a:solidFill>
+              <a:srgbClr val="FFFFFF">
+                <a:shade val="85000"/>
+              </a:srgbClr>
+            </a:solidFill>
+            <a:ln>
               <a:solidFill>
-                <a:srgbClr val="FFFFFF">
-                  <a:shade val="85000"/>
-                </a:srgbClr>
+                <a:schemeClr val="tx1"/>
               </a:solidFill>
-              <a:ln>
-                <a:solidFill>
-                  <a:schemeClr val="tx1"/>
-                </a:solidFill>
-              </a:ln>
-              <a:effectLst>
-                <a:outerShdw blurRad="63500" sx="102000" sy="102000" algn="ctr" rotWithShape="0">
-                  <a:prstClr val="black">
-                    <a:alpha val="40000"/>
-                  </a:prstClr>
-                </a:outerShdw>
-                <a:reflection blurRad="12700" stA="38000" endPos="28000" dist="5000" dir="5400000" sy="-100000" algn="bl" rotWithShape="0"/>
-              </a:effectLst>
-            </p:spPr>
-          </p:pic>
-          <p:pic>
-            <p:nvPicPr>
-              <p:cNvPr id="5" name="Picture 4"/>
-              <p:cNvPicPr>
-                <a:picLocks noChangeAspect="1"/>
-              </p:cNvPicPr>
-              <p:nvPr/>
-            </p:nvPicPr>
-            <p:blipFill>
-              <a:blip r:embed="rId4">
-                <a:clrChange>
-                  <a:clrFrom>
-                    <a:srgbClr val="FFFFFF"/>
-                  </a:clrFrom>
-                  <a:clrTo>
-                    <a:srgbClr val="FFFFFF">
-                      <a:alpha val="0"/>
-                    </a:srgbClr>
-                  </a:clrTo>
-                </a:clrChange>
-                <a:extLst>
-                  <a:ext uri="{28A0092B-C50C-407E-A947-70E740481C1C}">
-                    <a14:useLocalDpi xmlns:a14="http://schemas.microsoft.com/office/drawing/2010/main" val="0"/>
-                  </a:ext>
-                </a:extLst>
-              </a:blip>
-              <a:stretch>
-                <a:fillRect/>
-              </a:stretch>
-            </p:blipFill>
-            <p:spPr>
-              <a:xfrm>
-                <a:off x="1837683" y="2529191"/>
-                <a:ext cx="6498493" cy="3716391"/>
-              </a:xfrm>
-              <a:prstGeom prst="rect">
-                <a:avLst/>
-              </a:prstGeom>
-              <a:effectLst>
-                <a:outerShdw blurRad="63500" sx="102000" sy="102000" algn="ctr" rotWithShape="0">
-                  <a:prstClr val="black">
-                    <a:alpha val="40000"/>
-                  </a:prstClr>
-                </a:outerShdw>
-              </a:effectLst>
-            </p:spPr>
-          </p:pic>
-        </p:grpSp>
+            </a:ln>
+            <a:effectLst>
+              <a:outerShdw blurRad="63500" sx="102000" sy="102000" algn="ctr" rotWithShape="0">
+                <a:prstClr val="black">
+                  <a:alpha val="40000"/>
+                </a:prstClr>
+              </a:outerShdw>
+              <a:reflection blurRad="12700" stA="38000" endPos="28000" dist="5000" dir="5400000" sy="-100000" algn="bl" rotWithShape="0"/>
+            </a:effectLst>
+          </p:spPr>
+        </p:pic>
+        <p:pic>
+          <p:nvPicPr>
+            <p:cNvPr id="5" name="Picture 4"/>
+            <p:cNvPicPr>
+              <a:picLocks noChangeAspect="1"/>
+            </p:cNvPicPr>
+            <p:nvPr/>
+          </p:nvPicPr>
+          <p:blipFill>
+            <a:blip r:embed="rId4">
+              <a:clrChange>
+                <a:clrFrom>
+                  <a:srgbClr val="FFFFFF"/>
+                </a:clrFrom>
+                <a:clrTo>
+                  <a:srgbClr val="FFFFFF">
+                    <a:alpha val="0"/>
+                  </a:srgbClr>
+                </a:clrTo>
+              </a:clrChange>
+              <a:extLst>
+                <a:ext uri="{28A0092B-C50C-407E-A947-70E740481C1C}">
+                  <a14:useLocalDpi xmlns:a14="http://schemas.microsoft.com/office/drawing/2010/main" val="0"/>
+                </a:ext>
+              </a:extLst>
+            </a:blip>
+            <a:stretch>
+              <a:fillRect/>
+            </a:stretch>
+          </p:blipFill>
+          <p:spPr>
+            <a:xfrm>
+              <a:off x="2960916" y="3482307"/>
+              <a:ext cx="4058340" cy="2320904"/>
+            </a:xfrm>
+            <a:prstGeom prst="rect">
+              <a:avLst/>
+            </a:prstGeom>
+            <a:effectLst>
+              <a:outerShdw blurRad="63500" sx="102000" sy="102000" algn="ctr" rotWithShape="0">
+                <a:prstClr val="black">
+                  <a:alpha val="40000"/>
+                </a:prstClr>
+              </a:outerShdw>
+            </a:effectLst>
+          </p:spPr>
+        </p:pic>
         <p:sp>
           <p:nvSpPr>
             <p:cNvPr id="10" name="TextBox 9"/>
